--- a/ThinkingLikeAScientist/05 - Wrapup.pptx
+++ b/ThinkingLikeAScientist/05 - Wrapup.pptx
@@ -199,7 +199,7 @@
           <a:p>
             <a:fld id="{911FCC39-4F7F-7849-B954-12FFE37C735F}" type="datetimeFigureOut">
               <a:rPr lang="en-US" smtClean="0"/>
-              <a:t>1/3/20</a:t>
+              <a:t>1/6/2020</a:t>
             </a:fld>
             <a:endParaRPr lang="en-US"/>
           </a:p>
@@ -886,7 +886,7 @@
           <a:p>
             <a:fld id="{9184DA70-C731-4C70-880D-CCD4705E623C}" type="datetime1">
               <a:rPr lang="en-US" smtClean="0"/>
-              <a:t>1/3/20</a:t>
+              <a:t>1/6/2020</a:t>
             </a:fld>
             <a:endParaRPr lang="en-US" dirty="0"/>
           </a:p>
@@ -1074,7 +1074,7 @@
           <a:p>
             <a:fld id="{B612A279-0833-481D-8C56-F67FD0AC6C50}" type="datetime1">
               <a:rPr lang="en-US" smtClean="0"/>
-              <a:t>1/3/20</a:t>
+              <a:t>1/6/2020</a:t>
             </a:fld>
             <a:endParaRPr lang="en-US" dirty="0"/>
           </a:p>
@@ -1316,7 +1316,7 @@
           <a:p>
             <a:fld id="{6587DA83-5663-4C9C-B9AA-0B40A3DAFF81}" type="datetime1">
               <a:rPr lang="en-US" smtClean="0"/>
-              <a:t>1/3/20</a:t>
+              <a:t>1/6/2020</a:t>
             </a:fld>
             <a:endParaRPr lang="en-US" dirty="0"/>
           </a:p>
@@ -1504,7 +1504,7 @@
           <a:p>
             <a:fld id="{4BE1D723-8F53-4F53-90B0-1982A396982E}" type="datetime1">
               <a:rPr lang="en-US" smtClean="0"/>
-              <a:t>1/3/20</a:t>
+              <a:t>1/6/2020</a:t>
             </a:fld>
             <a:endParaRPr lang="en-US" dirty="0"/>
           </a:p>
@@ -1877,7 +1877,7 @@
           <a:p>
             <a:fld id="{97669AF7-7BEB-44E4-9852-375E34362B5B}" type="datetime1">
               <a:rPr lang="en-US" smtClean="0"/>
-              <a:t>1/3/20</a:t>
+              <a:t>1/6/2020</a:t>
             </a:fld>
             <a:endParaRPr lang="en-US" dirty="0"/>
           </a:p>
@@ -2132,7 +2132,7 @@
           <a:p>
             <a:fld id="{BAAAC38D-0552-4C82-B593-E6124DFADBE2}" type="datetime1">
               <a:rPr lang="en-US" smtClean="0"/>
-              <a:t>1/3/20</a:t>
+              <a:t>1/6/2020</a:t>
             </a:fld>
             <a:endParaRPr lang="en-US" dirty="0"/>
           </a:p>
@@ -2529,7 +2529,7 @@
           <a:p>
             <a:fld id="{D9DF0F1C-5577-4ACB-BB62-DF8F3C494C7E}" type="datetime1">
               <a:rPr lang="en-US" smtClean="0"/>
-              <a:t>1/3/20</a:t>
+              <a:t>1/6/2020</a:t>
             </a:fld>
             <a:endParaRPr lang="en-US" dirty="0"/>
           </a:p>
@@ -2665,7 +2665,7 @@
           <a:p>
             <a:fld id="{1775B394-D9F9-4F0C-B15D-605F45CB9E9F}" type="datetime1">
               <a:rPr lang="en-US" smtClean="0"/>
-              <a:t>1/3/20</a:t>
+              <a:t>1/6/2020</a:t>
             </a:fld>
             <a:endParaRPr lang="en-US" dirty="0"/>
           </a:p>
@@ -2822,7 +2822,7 @@
           <a:p>
             <a:fld id="{39667345-2558-425A-8533-9BFDBCE15005}" type="datetime1">
               <a:rPr lang="en-US" smtClean="0"/>
-              <a:t>1/3/20</a:t>
+              <a:t>1/6/2020</a:t>
             </a:fld>
             <a:endParaRPr lang="en-US" dirty="0"/>
           </a:p>
@@ -3151,7 +3151,7 @@
           <a:p>
             <a:fld id="{92BEA474-078D-4E9B-9B14-09A87B19DC46}" type="datetime1">
               <a:rPr lang="en-US" smtClean="0"/>
-              <a:t>1/3/20</a:t>
+              <a:t>1/6/2020</a:t>
             </a:fld>
             <a:endParaRPr lang="en-US" dirty="0"/>
           </a:p>
@@ -3501,7 +3501,7 @@
           <a:p>
             <a:fld id="{4907D986-8816-4272-A432-0437A28A9828}" type="datetime1">
               <a:rPr lang="en-US" smtClean="0"/>
-              <a:t>1/3/20</a:t>
+              <a:t>1/6/2020</a:t>
             </a:fld>
             <a:endParaRPr lang="en-US" dirty="0"/>
           </a:p>
@@ -3762,7 +3762,7 @@
           <a:p>
             <a:fld id="{62D6E202-B606-4609-B914-27C9371A1F6D}" type="datetime1">
               <a:rPr lang="en-US" smtClean="0"/>
-              <a:t>1/3/20</a:t>
+              <a:t>1/6/2020</a:t>
             </a:fld>
             <a:endParaRPr lang="en-US" dirty="0"/>
           </a:p>
@@ -4753,7 +4753,7 @@
                   <a:srgbClr val="FFFFFF"/>
                 </a:solidFill>
               </a:rPr>
-              <a:t>Experiments are not</a:t>
+              <a:t>Properly formulated experiments are not</a:t>
             </a:r>
           </a:p>
           <a:p>
@@ -5193,8 +5193,8 @@
         </p:nvSpPr>
         <p:spPr>
           <a:xfrm>
-            <a:off x="1097280" y="516835"/>
-            <a:ext cx="5977937" cy="1666501"/>
+            <a:off x="1097280" y="855246"/>
+            <a:ext cx="5977937" cy="1086258"/>
           </a:xfrm>
         </p:spPr>
         <p:txBody>
@@ -5212,18 +5212,7 @@
                 <a:ea typeface="Calibri" panose="020F0502020204030204" pitchFamily="34" charset="0"/>
                 <a:cs typeface="Times New Roman" panose="02020603050405020304" pitchFamily="18" charset="0"/>
               </a:rPr>
-              <a:t>Possible </a:t>
-            </a:r>
-            <a:r>
-              <a:rPr lang="en-US" sz="4000">
-                <a:solidFill>
-                  <a:srgbClr val="FFFFFF"/>
-                </a:solidFill>
-                <a:latin typeface="Calibri" panose="020F0502020204030204" pitchFamily="34" charset="0"/>
-                <a:ea typeface="Calibri" panose="020F0502020204030204" pitchFamily="34" charset="0"/>
-                <a:cs typeface="Times New Roman" panose="02020603050405020304" pitchFamily="18" charset="0"/>
-              </a:rPr>
-              <a:t>Future Directions</a:t>
+              <a:t>Possible Future Directions</a:t>
             </a:r>
             <a:endParaRPr lang="en-US" sz="4000" dirty="0">
               <a:solidFill>
@@ -5303,13 +5292,13 @@
         </p:nvSpPr>
         <p:spPr>
           <a:xfrm>
-            <a:off x="1097279" y="2546224"/>
-            <a:ext cx="5977938" cy="3342747"/>
+            <a:off x="1024060" y="2457770"/>
+            <a:ext cx="5977938" cy="4288414"/>
           </a:xfrm>
         </p:spPr>
         <p:txBody>
           <a:bodyPr>
-            <a:normAutofit/>
+            <a:normAutofit fontScale="92500" lnSpcReduction="10000"/>
           </a:bodyPr>
           <a:lstStyle/>
           <a:p>
@@ -5355,7 +5344,17 @@
                   <a:srgbClr val="FFFFFF"/>
                 </a:solidFill>
               </a:rPr>
-              <a:t> &lt; .05” (Bayesian analysis)</a:t>
+              <a:t> &lt; .05” (bootstrapping and Bayesian analysis)</a:t>
+            </a:r>
+          </a:p>
+          <a:p>
+            <a:r>
+              <a:rPr lang="en-US" sz="2000" dirty="0">
+                <a:solidFill>
+                  <a:srgbClr val="FFFFFF"/>
+                </a:solidFill>
+              </a:rPr>
+              <a:t>Using prior knowledge in Bayesian analysis</a:t>
             </a:r>
           </a:p>
           <a:p>
@@ -5377,6 +5376,29 @@
               </a:rPr>
               <a:t>Impact of Missing Data</a:t>
             </a:r>
+          </a:p>
+          <a:p>
+            <a:r>
+              <a:rPr lang="en-US" sz="2000" dirty="0">
+                <a:solidFill>
+                  <a:srgbClr val="FFFFFF"/>
+                </a:solidFill>
+              </a:rPr>
+              <a:t>Time-dependent models </a:t>
+            </a:r>
+            <a:r>
+              <a:rPr lang="en-US" sz="2000">
+                <a:solidFill>
+                  <a:srgbClr val="FFFFFF"/>
+                </a:solidFill>
+              </a:rPr>
+              <a:t>and detection</a:t>
+            </a:r>
+            <a:endParaRPr lang="en-US" sz="2000" dirty="0">
+              <a:solidFill>
+                <a:srgbClr val="FFFFFF"/>
+              </a:solidFill>
+            </a:endParaRPr>
           </a:p>
           <a:p>
             <a:r>
@@ -5711,6 +5733,104 @@
                                           <p:spTgt spid="3">
                                             <p:txEl>
                                               <p:pRg st="5" end="5"/>
+                                            </p:txEl>
+                                          </p:spTgt>
+                                        </p:tgtEl>
+                                        <p:attrNameLst>
+                                          <p:attrName>style.visibility</p:attrName>
+                                        </p:attrNameLst>
+                                      </p:cBhvr>
+                                      <p:to>
+                                        <p:strVal val="visible"/>
+                                      </p:to>
+                                    </p:set>
+                                  </p:childTnLst>
+                                </p:cTn>
+                              </p:par>
+                            </p:childTnLst>
+                          </p:cTn>
+                        </p:par>
+                      </p:childTnLst>
+                    </p:cTn>
+                  </p:par>
+                  <p:par>
+                    <p:cTn id="27" fill="hold">
+                      <p:stCondLst>
+                        <p:cond delay="indefinite"/>
+                      </p:stCondLst>
+                      <p:childTnLst>
+                        <p:par>
+                          <p:cTn id="28" fill="hold">
+                            <p:stCondLst>
+                              <p:cond delay="0"/>
+                            </p:stCondLst>
+                            <p:childTnLst>
+                              <p:par>
+                                <p:cTn id="29" presetID="1" presetClass="entr" presetSubtype="0" fill="hold" nodeType="clickEffect">
+                                  <p:stCondLst>
+                                    <p:cond delay="0"/>
+                                  </p:stCondLst>
+                                  <p:childTnLst>
+                                    <p:set>
+                                      <p:cBhvr>
+                                        <p:cTn id="30" dur="1" fill="hold">
+                                          <p:stCondLst>
+                                            <p:cond delay="0"/>
+                                          </p:stCondLst>
+                                        </p:cTn>
+                                        <p:tgtEl>
+                                          <p:spTgt spid="3">
+                                            <p:txEl>
+                                              <p:pRg st="6" end="6"/>
+                                            </p:txEl>
+                                          </p:spTgt>
+                                        </p:tgtEl>
+                                        <p:attrNameLst>
+                                          <p:attrName>style.visibility</p:attrName>
+                                        </p:attrNameLst>
+                                      </p:cBhvr>
+                                      <p:to>
+                                        <p:strVal val="visible"/>
+                                      </p:to>
+                                    </p:set>
+                                  </p:childTnLst>
+                                </p:cTn>
+                              </p:par>
+                            </p:childTnLst>
+                          </p:cTn>
+                        </p:par>
+                      </p:childTnLst>
+                    </p:cTn>
+                  </p:par>
+                  <p:par>
+                    <p:cTn id="31" fill="hold">
+                      <p:stCondLst>
+                        <p:cond delay="indefinite"/>
+                      </p:stCondLst>
+                      <p:childTnLst>
+                        <p:par>
+                          <p:cTn id="32" fill="hold">
+                            <p:stCondLst>
+                              <p:cond delay="0"/>
+                            </p:stCondLst>
+                            <p:childTnLst>
+                              <p:par>
+                                <p:cTn id="33" presetID="1" presetClass="entr" presetSubtype="0" fill="hold" nodeType="clickEffect">
+                                  <p:stCondLst>
+                                    <p:cond delay="0"/>
+                                  </p:stCondLst>
+                                  <p:childTnLst>
+                                    <p:set>
+                                      <p:cBhvr>
+                                        <p:cTn id="34" dur="1" fill="hold">
+                                          <p:stCondLst>
+                                            <p:cond delay="0"/>
+                                          </p:stCondLst>
+                                        </p:cTn>
+                                        <p:tgtEl>
+                                          <p:spTgt spid="3">
+                                            <p:txEl>
+                                              <p:pRg st="7" end="7"/>
                                             </p:txEl>
                                           </p:spTgt>
                                         </p:tgtEl>
